--- a/Python/Class 3/Data Types.pptx
+++ b/Python/Class 3/Data Types.pptx
@@ -355,7 +355,7 @@
       </p15:sldGuideLst>
     </p:ext>
     <p:ext uri="http://customooxmlschemas.google.com/">
-      <go:slidesCustomData xmlns="" xmlns:mc="http://schemas.openxmlformats.org/markup-compatibility/2006" xmlns:mv="urn:schemas-microsoft-com:mac:vml" xmlns:c="http://schemas.openxmlformats.org/drawingml/2006/chart" xmlns:dgm="http://schemas.openxmlformats.org/drawingml/2006/diagram" xmlns:o="urn:schemas-microsoft-com:office:office" xmlns:v="urn:schemas-microsoft-com:vml" xmlns:pvml="urn:schemas-microsoft-com:office:powerpoint" xmlns:com="http://schemas.openxmlformats.org/drawingml/2006/compatibility" xmlns:p14="http://schemas.microsoft.com/office/powerpoint/2010/main" xmlns:p15="http://schemas.microsoft.com/office/powerpoint/2012/main" xmlns:ahyp="http://schemas.microsoft.com/office/drawing/2018/hyperlinkcolor" xmlns:go="http://customooxmlschemas.google.com/" r:id="rId91" roundtripDataSignature="AMtx7mjjey13KdLCQ96To0O9/tT2EKquEA=="/>
+      <go:slidesCustomData xmlns:go="http://customooxmlschemas.google.com/" xmlns:ahyp="http://schemas.microsoft.com/office/drawing/2018/hyperlinkcolor" xmlns:p15="http://schemas.microsoft.com/office/powerpoint/2012/main" xmlns:p14="http://schemas.microsoft.com/office/powerpoint/2010/main" xmlns:com="http://schemas.openxmlformats.org/drawingml/2006/compatibility" xmlns:pvml="urn:schemas-microsoft-com:office:powerpoint" xmlns:v="urn:schemas-microsoft-com:vml" xmlns:o="urn:schemas-microsoft-com:office:office" xmlns:dgm="http://schemas.openxmlformats.org/drawingml/2006/diagram" xmlns:c="http://schemas.openxmlformats.org/drawingml/2006/chart" xmlns:mv="urn:schemas-microsoft-com:mac:vml" xmlns:mc="http://schemas.openxmlformats.org/markup-compatibility/2006" xmlns="" r:id="rId91" roundtripDataSignature="AMtx7mjjey13KdLCQ96To0O9/tT2EKquEA=="/>
     </p:ext>
   </p:extLst>
 </p:presentation>
@@ -18964,7 +18964,7 @@
         <p:spPr>
           <a:xfrm>
             <a:off x="4241800" y="4682919"/>
-            <a:ext cx="6096000" cy="369291"/>
+            <a:ext cx="6096000" cy="1200288"/>
           </a:xfrm>
           <a:prstGeom prst="rect">
             <a:avLst/>
@@ -18999,7 +18999,70 @@
                 <a:cs typeface="Libre Franklin"/>
                 <a:sym typeface="Libre Franklin"/>
               </a:rPr>
-              <a:t>Saturday, 2 March 2024</a:t>
+              <a:t>Sunday, 3 March 2024</a:t>
+            </a:r>
+          </a:p>
+          <a:p>
+            <a:pPr marL="0" marR="0" lvl="0" indent="0" algn="l" rtl="0">
+              <a:spcBef>
+                <a:spcPts val="0"/>
+              </a:spcBef>
+              <a:spcAft>
+                <a:spcPts val="0"/>
+              </a:spcAft>
+              <a:buNone/>
+            </a:pPr>
+            <a:endParaRPr lang="en-US" sz="1800" dirty="0">
+              <a:solidFill>
+                <a:schemeClr val="dk1"/>
+              </a:solidFill>
+              <a:latin typeface="Libre Franklin"/>
+              <a:ea typeface="Libre Franklin"/>
+              <a:cs typeface="Libre Franklin"/>
+              <a:sym typeface="Libre Franklin"/>
+            </a:endParaRPr>
+          </a:p>
+          <a:p>
+            <a:pPr marL="0" marR="0" lvl="0" indent="0" algn="l" rtl="0">
+              <a:spcBef>
+                <a:spcPts val="0"/>
+              </a:spcBef>
+              <a:spcAft>
+                <a:spcPts val="0"/>
+              </a:spcAft>
+              <a:buNone/>
+            </a:pPr>
+            <a:endParaRPr lang="en-US" sz="1800" dirty="0">
+              <a:solidFill>
+                <a:schemeClr val="dk1"/>
+              </a:solidFill>
+              <a:latin typeface="Libre Franklin"/>
+              <a:ea typeface="Libre Franklin"/>
+              <a:cs typeface="Libre Franklin"/>
+              <a:sym typeface="Libre Franklin"/>
+            </a:endParaRPr>
+          </a:p>
+          <a:p>
+            <a:pPr marL="0" marR="0" lvl="0" indent="0" algn="l" rtl="0">
+              <a:spcBef>
+                <a:spcPts val="0"/>
+              </a:spcBef>
+              <a:spcAft>
+                <a:spcPts val="0"/>
+              </a:spcAft>
+              <a:buNone/>
+            </a:pPr>
+            <a:r>
+              <a:rPr lang="en-US" sz="1800" dirty="0">
+                <a:solidFill>
+                  <a:schemeClr val="dk1"/>
+                </a:solidFill>
+                <a:latin typeface="Libre Franklin"/>
+                <a:ea typeface="Libre Franklin"/>
+                <a:cs typeface="Libre Franklin"/>
+                <a:sym typeface="Libre Franklin"/>
+              </a:rPr>
+              <a:t>Mayank Aggarwal</a:t>
             </a:r>
             <a:endParaRPr sz="1800" dirty="0">
               <a:solidFill>
